--- a/Documetos da Sprint/2-adsa-grupo-6/Documentação/PPT Sprint 1.pptx
+++ b/Documetos da Sprint/2-adsa-grupo-6/Documentação/PPT Sprint 1.pptx
@@ -5,38 +5,39 @@
     <p:sldMasterId id="2147483659" r:id="rId1"/>
   </p:sldMasterIdLst>
   <p:notesMasterIdLst>
-    <p:notesMasterId r:id="rId17"/>
+    <p:notesMasterId r:id="rId18"/>
   </p:notesMasterIdLst>
   <p:sldIdLst>
     <p:sldId id="256" r:id="rId2"/>
-    <p:sldId id="258" r:id="rId3"/>
-    <p:sldId id="285" r:id="rId4"/>
-    <p:sldId id="286" r:id="rId5"/>
-    <p:sldId id="289" r:id="rId6"/>
-    <p:sldId id="296" r:id="rId7"/>
-    <p:sldId id="288" r:id="rId8"/>
-    <p:sldId id="290" r:id="rId9"/>
-    <p:sldId id="291" r:id="rId10"/>
-    <p:sldId id="292" r:id="rId11"/>
-    <p:sldId id="297" r:id="rId12"/>
-    <p:sldId id="293" r:id="rId13"/>
-    <p:sldId id="294" r:id="rId14"/>
-    <p:sldId id="295" r:id="rId15"/>
-    <p:sldId id="287" r:id="rId16"/>
+    <p:sldId id="298" r:id="rId3"/>
+    <p:sldId id="258" r:id="rId4"/>
+    <p:sldId id="285" r:id="rId5"/>
+    <p:sldId id="286" r:id="rId6"/>
+    <p:sldId id="289" r:id="rId7"/>
+    <p:sldId id="296" r:id="rId8"/>
+    <p:sldId id="288" r:id="rId9"/>
+    <p:sldId id="290" r:id="rId10"/>
+    <p:sldId id="291" r:id="rId11"/>
+    <p:sldId id="292" r:id="rId12"/>
+    <p:sldId id="297" r:id="rId13"/>
+    <p:sldId id="293" r:id="rId14"/>
+    <p:sldId id="294" r:id="rId15"/>
+    <p:sldId id="295" r:id="rId16"/>
+    <p:sldId id="287" r:id="rId17"/>
   </p:sldIdLst>
   <p:sldSz cx="9144000" cy="5143500" type="screen16x9"/>
   <p:notesSz cx="6858000" cy="9144000"/>
   <p:embeddedFontLst>
     <p:embeddedFont>
       <p:font typeface="Lexend Deca" panose="020B0604020202020204" charset="0"/>
-      <p:regular r:id="rId18"/>
+      <p:regular r:id="rId19"/>
     </p:embeddedFont>
     <p:embeddedFont>
       <p:font typeface="Muli Regular" panose="020B0604020202020204" charset="0"/>
-      <p:regular r:id="rId19"/>
-      <p:bold r:id="rId20"/>
-      <p:italic r:id="rId21"/>
-      <p:boldItalic r:id="rId22"/>
+      <p:regular r:id="rId20"/>
+      <p:bold r:id="rId21"/>
+      <p:italic r:id="rId22"/>
+      <p:boldItalic r:id="rId23"/>
     </p:embeddedFont>
   </p:embeddedFontLst>
   <p:defaultTextStyle>
@@ -920,7 +921,7 @@
     </p:spTree>
     <p:extLst>
       <p:ext uri="{BB962C8B-B14F-4D97-AF65-F5344CB8AC3E}">
-        <p14:creationId xmlns:p14="http://schemas.microsoft.com/office/powerpoint/2010/main" val="2015757068"/>
+        <p14:creationId xmlns:p14="http://schemas.microsoft.com/office/powerpoint/2010/main" val="407052506"/>
       </p:ext>
     </p:extLst>
   </p:cSld>
@@ -1029,7 +1030,7 @@
     </p:spTree>
     <p:extLst>
       <p:ext uri="{BB962C8B-B14F-4D97-AF65-F5344CB8AC3E}">
-        <p14:creationId xmlns:p14="http://schemas.microsoft.com/office/powerpoint/2010/main" val="2686791588"/>
+        <p14:creationId xmlns:p14="http://schemas.microsoft.com/office/powerpoint/2010/main" val="2015757068"/>
       </p:ext>
     </p:extLst>
   </p:cSld>
@@ -1138,7 +1139,7 @@
     </p:spTree>
     <p:extLst>
       <p:ext uri="{BB962C8B-B14F-4D97-AF65-F5344CB8AC3E}">
-        <p14:creationId xmlns:p14="http://schemas.microsoft.com/office/powerpoint/2010/main" val="2357793064"/>
+        <p14:creationId xmlns:p14="http://schemas.microsoft.com/office/powerpoint/2010/main" val="2686791588"/>
       </p:ext>
     </p:extLst>
   </p:cSld>
@@ -1247,7 +1248,7 @@
     </p:spTree>
     <p:extLst>
       <p:ext uri="{BB962C8B-B14F-4D97-AF65-F5344CB8AC3E}">
-        <p14:creationId xmlns:p14="http://schemas.microsoft.com/office/powerpoint/2010/main" val="1855181976"/>
+        <p14:creationId xmlns:p14="http://schemas.microsoft.com/office/powerpoint/2010/main" val="2357793064"/>
       </p:ext>
     </p:extLst>
   </p:cSld>
@@ -1356,7 +1357,7 @@
     </p:spTree>
     <p:extLst>
       <p:ext uri="{BB962C8B-B14F-4D97-AF65-F5344CB8AC3E}">
-        <p14:creationId xmlns:p14="http://schemas.microsoft.com/office/powerpoint/2010/main" val="926934302"/>
+        <p14:creationId xmlns:p14="http://schemas.microsoft.com/office/powerpoint/2010/main" val="1855181976"/>
       </p:ext>
     </p:extLst>
   </p:cSld>
@@ -1465,7 +1466,7 @@
     </p:spTree>
     <p:extLst>
       <p:ext uri="{BB962C8B-B14F-4D97-AF65-F5344CB8AC3E}">
-        <p14:creationId xmlns:p14="http://schemas.microsoft.com/office/powerpoint/2010/main" val="668631265"/>
+        <p14:creationId xmlns:p14="http://schemas.microsoft.com/office/powerpoint/2010/main" val="926934302"/>
       </p:ext>
     </p:extLst>
   </p:cSld>
@@ -1475,7 +1476,7 @@
 </p:notes>
 </file>
 
-<file path=ppt/notesSlides/notesSlide2.xml><?xml version="1.0" encoding="utf-8"?>
+<file path=ppt/notesSlides/notesSlide16.xml><?xml version="1.0" encoding="utf-8"?>
 <p:notes xmlns:a="http://schemas.openxmlformats.org/drawingml/2006/main" xmlns:r="http://schemas.openxmlformats.org/officeDocument/2006/relationships" xmlns:p="http://schemas.openxmlformats.org/presentationml/2006/main" showMasterSp="0" showMasterPhAnim="0">
   <p:cSld>
     <p:spTree>
@@ -1572,6 +1573,120 @@
         </p:txBody>
       </p:sp>
     </p:spTree>
+    <p:extLst>
+      <p:ext uri="{BB962C8B-B14F-4D97-AF65-F5344CB8AC3E}">
+        <p14:creationId xmlns:p14="http://schemas.microsoft.com/office/powerpoint/2010/main" val="668631265"/>
+      </p:ext>
+    </p:extLst>
+  </p:cSld>
+  <p:clrMapOvr>
+    <a:masterClrMapping/>
+  </p:clrMapOvr>
+</p:notes>
+</file>
+
+<file path=ppt/notesSlides/notesSlide2.xml><?xml version="1.0" encoding="utf-8"?>
+<p:notes xmlns:a="http://schemas.openxmlformats.org/drawingml/2006/main" xmlns:r="http://schemas.openxmlformats.org/officeDocument/2006/relationships" xmlns:p="http://schemas.openxmlformats.org/presentationml/2006/main" showMasterSp="0" showMasterPhAnim="0">
+  <p:cSld>
+    <p:spTree>
+      <p:nvGrpSpPr>
+        <p:cNvPr id="1" name="Shape 56"/>
+        <p:cNvGrpSpPr/>
+        <p:nvPr/>
+      </p:nvGrpSpPr>
+      <p:grpSpPr>
+        <a:xfrm>
+          <a:off x="0" y="0"/>
+          <a:ext cx="0" cy="0"/>
+          <a:chOff x="0" y="0"/>
+          <a:chExt cx="0" cy="0"/>
+        </a:xfrm>
+      </p:grpSpPr>
+      <p:sp>
+        <p:nvSpPr>
+          <p:cNvPr id="57" name="Google Shape;57;g35f391192_00:notes"/>
+          <p:cNvSpPr>
+            <a:spLocks noGrp="1" noRot="1" noChangeAspect="1"/>
+          </p:cNvSpPr>
+          <p:nvPr>
+            <p:ph type="sldImg" idx="2"/>
+          </p:nvPr>
+        </p:nvSpPr>
+        <p:spPr>
+          <a:xfrm>
+            <a:off x="381000" y="685800"/>
+            <a:ext cx="6096000" cy="3429000"/>
+          </a:xfrm>
+          <a:custGeom>
+            <a:avLst/>
+            <a:gdLst/>
+            <a:ahLst/>
+            <a:cxnLst/>
+            <a:rect l="l" t="t" r="r" b="b"/>
+            <a:pathLst>
+              <a:path w="120000" h="120000" extrusionOk="0">
+                <a:moveTo>
+                  <a:pt x="0" y="0"/>
+                </a:moveTo>
+                <a:lnTo>
+                  <a:pt x="120000" y="0"/>
+                </a:lnTo>
+                <a:lnTo>
+                  <a:pt x="120000" y="120000"/>
+                </a:lnTo>
+                <a:lnTo>
+                  <a:pt x="0" y="120000"/>
+                </a:lnTo>
+                <a:close/>
+              </a:path>
+            </a:pathLst>
+          </a:custGeom>
+        </p:spPr>
+      </p:sp>
+      <p:sp>
+        <p:nvSpPr>
+          <p:cNvPr id="58" name="Google Shape;58;g35f391192_00:notes"/>
+          <p:cNvSpPr txBox="1">
+            <a:spLocks noGrp="1"/>
+          </p:cNvSpPr>
+          <p:nvPr>
+            <p:ph type="body" idx="1"/>
+          </p:nvPr>
+        </p:nvSpPr>
+        <p:spPr>
+          <a:xfrm>
+            <a:off x="685800" y="4343400"/>
+            <a:ext cx="5486400" cy="4114800"/>
+          </a:xfrm>
+          <a:prstGeom prst="rect">
+            <a:avLst/>
+          </a:prstGeom>
+        </p:spPr>
+        <p:txBody>
+          <a:bodyPr spcFirstLastPara="1" wrap="square" lIns="91425" tIns="91425" rIns="91425" bIns="91425" anchor="t" anchorCtr="0">
+            <a:noAutofit/>
+          </a:bodyPr>
+          <a:lstStyle/>
+          <a:p>
+            <a:pPr marL="0" lvl="0" indent="0" algn="l" rtl="0">
+              <a:spcBef>
+                <a:spcPts val="0"/>
+              </a:spcBef>
+              <a:spcAft>
+                <a:spcPts val="0"/>
+              </a:spcAft>
+              <a:buNone/>
+            </a:pPr>
+            <a:endParaRPr dirty="0"/>
+          </a:p>
+        </p:txBody>
+      </p:sp>
+    </p:spTree>
+    <p:extLst>
+      <p:ext uri="{BB962C8B-B14F-4D97-AF65-F5344CB8AC3E}">
+        <p14:creationId xmlns:p14="http://schemas.microsoft.com/office/powerpoint/2010/main" val="4213549596"/>
+      </p:ext>
+    </p:extLst>
   </p:cSld>
   <p:clrMapOvr>
     <a:masterClrMapping/>
@@ -1676,11 +1791,6 @@
         </p:txBody>
       </p:sp>
     </p:spTree>
-    <p:extLst>
-      <p:ext uri="{BB962C8B-B14F-4D97-AF65-F5344CB8AC3E}">
-        <p14:creationId xmlns:p14="http://schemas.microsoft.com/office/powerpoint/2010/main" val="841843545"/>
-      </p:ext>
-    </p:extLst>
   </p:cSld>
   <p:clrMapOvr>
     <a:masterClrMapping/>
@@ -1787,7 +1897,7 @@
     </p:spTree>
     <p:extLst>
       <p:ext uri="{BB962C8B-B14F-4D97-AF65-F5344CB8AC3E}">
-        <p14:creationId xmlns:p14="http://schemas.microsoft.com/office/powerpoint/2010/main" val="758689810"/>
+        <p14:creationId xmlns:p14="http://schemas.microsoft.com/office/powerpoint/2010/main" val="841843545"/>
       </p:ext>
     </p:extLst>
   </p:cSld>
@@ -1896,7 +2006,7 @@
     </p:spTree>
     <p:extLst>
       <p:ext uri="{BB962C8B-B14F-4D97-AF65-F5344CB8AC3E}">
-        <p14:creationId xmlns:p14="http://schemas.microsoft.com/office/powerpoint/2010/main" val="4218035908"/>
+        <p14:creationId xmlns:p14="http://schemas.microsoft.com/office/powerpoint/2010/main" val="758689810"/>
       </p:ext>
     </p:extLst>
   </p:cSld>
@@ -2005,7 +2115,7 @@
     </p:spTree>
     <p:extLst>
       <p:ext uri="{BB962C8B-B14F-4D97-AF65-F5344CB8AC3E}">
-        <p14:creationId xmlns:p14="http://schemas.microsoft.com/office/powerpoint/2010/main" val="982719976"/>
+        <p14:creationId xmlns:p14="http://schemas.microsoft.com/office/powerpoint/2010/main" val="4218035908"/>
       </p:ext>
     </p:extLst>
   </p:cSld>
@@ -2114,7 +2224,7 @@
     </p:spTree>
     <p:extLst>
       <p:ext uri="{BB962C8B-B14F-4D97-AF65-F5344CB8AC3E}">
-        <p14:creationId xmlns:p14="http://schemas.microsoft.com/office/powerpoint/2010/main" val="1019775031"/>
+        <p14:creationId xmlns:p14="http://schemas.microsoft.com/office/powerpoint/2010/main" val="982719976"/>
       </p:ext>
     </p:extLst>
   </p:cSld>
@@ -2223,7 +2333,7 @@
     </p:spTree>
     <p:extLst>
       <p:ext uri="{BB962C8B-B14F-4D97-AF65-F5344CB8AC3E}">
-        <p14:creationId xmlns:p14="http://schemas.microsoft.com/office/powerpoint/2010/main" val="4093389436"/>
+        <p14:creationId xmlns:p14="http://schemas.microsoft.com/office/powerpoint/2010/main" val="1019775031"/>
       </p:ext>
     </p:extLst>
   </p:cSld>
@@ -2332,7 +2442,7 @@
     </p:spTree>
     <p:extLst>
       <p:ext uri="{BB962C8B-B14F-4D97-AF65-F5344CB8AC3E}">
-        <p14:creationId xmlns:p14="http://schemas.microsoft.com/office/powerpoint/2010/main" val="407052506"/>
+        <p14:creationId xmlns:p14="http://schemas.microsoft.com/office/powerpoint/2010/main" val="4093389436"/>
       </p:ext>
     </p:extLst>
   </p:cSld>
@@ -4292,7 +4402,7 @@
         </p:blipFill>
         <p:spPr>
           <a:xfrm>
-            <a:off x="1294781" y="968865"/>
+            <a:off x="1274903" y="884611"/>
             <a:ext cx="3098543" cy="3098543"/>
           </a:xfrm>
           <a:prstGeom prst="rect">
@@ -4387,10 +4497,10 @@
       </p:sp>
       <p:pic>
         <p:nvPicPr>
-          <p:cNvPr id="4" name="Imagem 3">
+          <p:cNvPr id="3" name="Imagem 2">
             <a:extLst>
               <a:ext uri="{FF2B5EF4-FFF2-40B4-BE49-F238E27FC236}">
-                <a16:creationId xmlns:a16="http://schemas.microsoft.com/office/drawing/2014/main" id="{B697A05C-9CE2-4164-83E9-A435A8F4D185}"/>
+                <a16:creationId xmlns:a16="http://schemas.microsoft.com/office/drawing/2014/main" id="{60861F3B-CB6E-416C-9CF9-FCAEC9B2ED8A}"/>
               </a:ext>
             </a:extLst>
           </p:cNvPr>
@@ -4407,8 +4517,8 @@
         </p:blipFill>
         <p:spPr>
           <a:xfrm>
-            <a:off x="589994" y="337825"/>
-            <a:ext cx="7964011" cy="4467849"/>
+            <a:off x="114716" y="61562"/>
+            <a:ext cx="8887027" cy="5020376"/>
           </a:xfrm>
           <a:prstGeom prst="rect">
             <a:avLst/>
@@ -4418,7 +4528,7 @@
     </p:spTree>
     <p:extLst>
       <p:ext uri="{BB962C8B-B14F-4D97-AF65-F5344CB8AC3E}">
-        <p14:creationId xmlns:p14="http://schemas.microsoft.com/office/powerpoint/2010/main" val="1031983524"/>
+        <p14:creationId xmlns:p14="http://schemas.microsoft.com/office/powerpoint/2010/main" val="3832193093"/>
       </p:ext>
     </p:extLst>
   </p:cSld>
@@ -4507,10 +4617,10 @@
       </p:sp>
       <p:pic>
         <p:nvPicPr>
-          <p:cNvPr id="3" name="Imagem 2">
+          <p:cNvPr id="4" name="Imagem 3">
             <a:extLst>
               <a:ext uri="{FF2B5EF4-FFF2-40B4-BE49-F238E27FC236}">
-                <a16:creationId xmlns:a16="http://schemas.microsoft.com/office/drawing/2014/main" id="{C7B94627-F1C9-43B1-B74E-A8B355712686}"/>
+                <a16:creationId xmlns:a16="http://schemas.microsoft.com/office/drawing/2014/main" id="{B697A05C-9CE2-4164-83E9-A435A8F4D185}"/>
               </a:ext>
             </a:extLst>
           </p:cNvPr>
@@ -4527,8 +4637,8 @@
         </p:blipFill>
         <p:spPr>
           <a:xfrm>
-            <a:off x="1133062" y="194533"/>
-            <a:ext cx="6601680" cy="4563510"/>
+            <a:off x="589994" y="337825"/>
+            <a:ext cx="7964011" cy="4467849"/>
           </a:xfrm>
           <a:prstGeom prst="rect">
             <a:avLst/>
@@ -4538,7 +4648,7 @@
     </p:spTree>
     <p:extLst>
       <p:ext uri="{BB962C8B-B14F-4D97-AF65-F5344CB8AC3E}">
-        <p14:creationId xmlns:p14="http://schemas.microsoft.com/office/powerpoint/2010/main" val="1521264590"/>
+        <p14:creationId xmlns:p14="http://schemas.microsoft.com/office/powerpoint/2010/main" val="1031983524"/>
       </p:ext>
     </p:extLst>
   </p:cSld>
@@ -4630,7 +4740,7 @@
           <p:cNvPr id="3" name="Imagem 2">
             <a:extLst>
               <a:ext uri="{FF2B5EF4-FFF2-40B4-BE49-F238E27FC236}">
-                <a16:creationId xmlns:a16="http://schemas.microsoft.com/office/drawing/2014/main" id="{574FA95D-3F14-4916-8E44-262FF0A89BA7}"/>
+                <a16:creationId xmlns:a16="http://schemas.microsoft.com/office/drawing/2014/main" id="{C7B94627-F1C9-43B1-B74E-A8B355712686}"/>
               </a:ext>
             </a:extLst>
           </p:cNvPr>
@@ -4647,8 +4757,8 @@
         </p:blipFill>
         <p:spPr>
           <a:xfrm>
-            <a:off x="0" y="212116"/>
-            <a:ext cx="9144000" cy="4719268"/>
+            <a:off x="1133062" y="194533"/>
+            <a:ext cx="6601680" cy="4563510"/>
           </a:xfrm>
           <a:prstGeom prst="rect">
             <a:avLst/>
@@ -4658,7 +4768,7 @@
     </p:spTree>
     <p:extLst>
       <p:ext uri="{BB962C8B-B14F-4D97-AF65-F5344CB8AC3E}">
-        <p14:creationId xmlns:p14="http://schemas.microsoft.com/office/powerpoint/2010/main" val="2336560615"/>
+        <p14:creationId xmlns:p14="http://schemas.microsoft.com/office/powerpoint/2010/main" val="1521264590"/>
       </p:ext>
     </p:extLst>
   </p:cSld>
@@ -4747,10 +4857,10 @@
       </p:sp>
       <p:pic>
         <p:nvPicPr>
-          <p:cNvPr id="4" name="Imagem 3" descr="Tela de celular com publicação numa rede social&#10;&#10;Descrição gerada automaticamente">
+          <p:cNvPr id="3" name="Imagem 2">
             <a:extLst>
               <a:ext uri="{FF2B5EF4-FFF2-40B4-BE49-F238E27FC236}">
-                <a16:creationId xmlns:a16="http://schemas.microsoft.com/office/drawing/2014/main" id="{4408EAA4-21BF-46C2-8B87-E8CF5117AF10}"/>
+                <a16:creationId xmlns:a16="http://schemas.microsoft.com/office/drawing/2014/main" id="{574FA95D-3F14-4916-8E44-262FF0A89BA7}"/>
               </a:ext>
             </a:extLst>
           </p:cNvPr>
@@ -4767,8 +4877,8 @@
         </p:blipFill>
         <p:spPr>
           <a:xfrm>
-            <a:off x="1604962" y="176212"/>
-            <a:ext cx="5934075" cy="4791075"/>
+            <a:off x="0" y="212116"/>
+            <a:ext cx="9144000" cy="4719268"/>
           </a:xfrm>
           <a:prstGeom prst="rect">
             <a:avLst/>
@@ -4778,7 +4888,7 @@
     </p:spTree>
     <p:extLst>
       <p:ext uri="{BB962C8B-B14F-4D97-AF65-F5344CB8AC3E}">
-        <p14:creationId xmlns:p14="http://schemas.microsoft.com/office/powerpoint/2010/main" val="4032636028"/>
+        <p14:creationId xmlns:p14="http://schemas.microsoft.com/office/powerpoint/2010/main" val="2336560615"/>
       </p:ext>
     </p:extLst>
   </p:cSld>
@@ -4867,10 +4977,10 @@
       </p:sp>
       <p:pic>
         <p:nvPicPr>
-          <p:cNvPr id="3" name="Imagem 2" descr="Tela de celular com publicação numa rede social&#10;&#10;Descrição gerada automaticamente">
+          <p:cNvPr id="4" name="Imagem 3" descr="Tela de celular com publicação numa rede social&#10;&#10;Descrição gerada automaticamente">
             <a:extLst>
               <a:ext uri="{FF2B5EF4-FFF2-40B4-BE49-F238E27FC236}">
-                <a16:creationId xmlns:a16="http://schemas.microsoft.com/office/drawing/2014/main" id="{2EC5165B-C8FC-403E-BE47-26BB2280525B}"/>
+                <a16:creationId xmlns:a16="http://schemas.microsoft.com/office/drawing/2014/main" id="{4408EAA4-21BF-46C2-8B87-E8CF5117AF10}"/>
               </a:ext>
             </a:extLst>
           </p:cNvPr>
@@ -4887,23 +4997,18 @@
         </p:blipFill>
         <p:spPr>
           <a:xfrm>
-            <a:off x="1676400" y="366712"/>
-            <a:ext cx="5791200" cy="4410075"/>
+            <a:off x="1604962" y="176212"/>
+            <a:ext cx="5934075" cy="4791075"/>
           </a:xfrm>
           <a:prstGeom prst="rect">
             <a:avLst/>
           </a:prstGeom>
-          <a:ln>
-            <a:solidFill>
-              <a:schemeClr val="accent1"/>
-            </a:solidFill>
-          </a:ln>
         </p:spPr>
       </p:pic>
     </p:spTree>
     <p:extLst>
       <p:ext uri="{BB962C8B-B14F-4D97-AF65-F5344CB8AC3E}">
-        <p14:creationId xmlns:p14="http://schemas.microsoft.com/office/powerpoint/2010/main" val="3225276291"/>
+        <p14:creationId xmlns:p14="http://schemas.microsoft.com/office/powerpoint/2010/main" val="4032636028"/>
       </p:ext>
     </p:extLst>
   </p:cSld>
@@ -4990,398 +5095,45 @@
           </a:p>
         </p:txBody>
       </p:sp>
-      <p:sp>
-        <p:nvSpPr>
-          <p:cNvPr id="3" name="Google Shape;351;p35">
+      <p:pic>
+        <p:nvPicPr>
+          <p:cNvPr id="3" name="Imagem 2" descr="Tela de celular com publicação numa rede social&#10;&#10;Descrição gerada automaticamente">
             <a:extLst>
               <a:ext uri="{FF2B5EF4-FFF2-40B4-BE49-F238E27FC236}">
-                <a16:creationId xmlns:a16="http://schemas.microsoft.com/office/drawing/2014/main" id="{C19F1A5B-E76B-4D48-8C38-0FFCC022BA28}"/>
+                <a16:creationId xmlns:a16="http://schemas.microsoft.com/office/drawing/2014/main" id="{2EC5165B-C8FC-403E-BE47-26BB2280525B}"/>
               </a:ext>
             </a:extLst>
           </p:cNvPr>
-          <p:cNvSpPr txBox="1">
-            <a:spLocks/>
-          </p:cNvSpPr>
-          <p:nvPr/>
-        </p:nvSpPr>
-        <p:spPr>
-          <a:xfrm>
-            <a:off x="302557" y="2302165"/>
-            <a:ext cx="4641574" cy="928500"/>
-          </a:xfrm>
-          <a:prstGeom prst="rect">
-            <a:avLst/>
-          </a:prstGeom>
-          <a:noFill/>
-          <a:ln>
-            <a:noFill/>
-          </a:ln>
-        </p:spPr>
-        <p:txBody>
-          <a:bodyPr spcFirstLastPara="1" wrap="square" lIns="0" tIns="0" rIns="0" bIns="0" anchor="b" anchorCtr="0">
-            <a:noAutofit/>
-          </a:bodyPr>
-          <a:lstStyle>
-            <a:defPPr marR="0" lvl="0" algn="l" rtl="0">
-              <a:lnSpc>
-                <a:spcPct val="100000"/>
-              </a:lnSpc>
-              <a:spcBef>
-                <a:spcPts val="0"/>
-              </a:spcBef>
-              <a:spcAft>
-                <a:spcPts val="0"/>
-              </a:spcAft>
-            </a:defPPr>
-            <a:lvl1pPr marR="0" lvl="0" algn="l" rtl="0">
-              <a:lnSpc>
-                <a:spcPct val="100000"/>
-              </a:lnSpc>
-              <a:spcBef>
-                <a:spcPts val="0"/>
-              </a:spcBef>
-              <a:spcAft>
-                <a:spcPts val="0"/>
-              </a:spcAft>
-              <a:buClr>
-                <a:schemeClr val="lt1"/>
-              </a:buClr>
-              <a:buSzPts val="3200"/>
-              <a:buFont typeface="Lexend Deca"/>
-              <a:buNone/>
-              <a:defRPr sz="3200" b="1" i="0" u="none" strike="noStrike" cap="none">
-                <a:solidFill>
-                  <a:schemeClr val="lt1"/>
-                </a:solidFill>
-                <a:latin typeface="Lexend Deca"/>
-                <a:ea typeface="Lexend Deca"/>
-                <a:cs typeface="Lexend Deca"/>
-                <a:sym typeface="Lexend Deca"/>
-              </a:defRPr>
-            </a:lvl1pPr>
-            <a:lvl2pPr marR="0" lvl="1" algn="l" rtl="0">
-              <a:lnSpc>
-                <a:spcPct val="100000"/>
-              </a:lnSpc>
-              <a:spcBef>
-                <a:spcPts val="0"/>
-              </a:spcBef>
-              <a:spcAft>
-                <a:spcPts val="0"/>
-              </a:spcAft>
-              <a:buClr>
-                <a:schemeClr val="lt1"/>
-              </a:buClr>
-              <a:buSzPts val="3200"/>
-              <a:buFont typeface="Lexend Deca"/>
-              <a:buNone/>
-              <a:defRPr sz="3200" b="1" i="0" u="none" strike="noStrike" cap="none">
-                <a:solidFill>
-                  <a:schemeClr val="lt1"/>
-                </a:solidFill>
-                <a:latin typeface="Lexend Deca"/>
-                <a:ea typeface="Lexend Deca"/>
-                <a:cs typeface="Lexend Deca"/>
-                <a:sym typeface="Lexend Deca"/>
-              </a:defRPr>
-            </a:lvl2pPr>
-            <a:lvl3pPr marR="0" lvl="2" algn="l" rtl="0">
-              <a:lnSpc>
-                <a:spcPct val="100000"/>
-              </a:lnSpc>
-              <a:spcBef>
-                <a:spcPts val="0"/>
-              </a:spcBef>
-              <a:spcAft>
-                <a:spcPts val="0"/>
-              </a:spcAft>
-              <a:buClr>
-                <a:schemeClr val="lt1"/>
-              </a:buClr>
-              <a:buSzPts val="3200"/>
-              <a:buFont typeface="Lexend Deca"/>
-              <a:buNone/>
-              <a:defRPr sz="3200" b="1" i="0" u="none" strike="noStrike" cap="none">
-                <a:solidFill>
-                  <a:schemeClr val="lt1"/>
-                </a:solidFill>
-                <a:latin typeface="Lexend Deca"/>
-                <a:ea typeface="Lexend Deca"/>
-                <a:cs typeface="Lexend Deca"/>
-                <a:sym typeface="Lexend Deca"/>
-              </a:defRPr>
-            </a:lvl3pPr>
-            <a:lvl4pPr marR="0" lvl="3" algn="l" rtl="0">
-              <a:lnSpc>
-                <a:spcPct val="100000"/>
-              </a:lnSpc>
-              <a:spcBef>
-                <a:spcPts val="0"/>
-              </a:spcBef>
-              <a:spcAft>
-                <a:spcPts val="0"/>
-              </a:spcAft>
-              <a:buClr>
-                <a:schemeClr val="lt1"/>
-              </a:buClr>
-              <a:buSzPts val="3200"/>
-              <a:buFont typeface="Lexend Deca"/>
-              <a:buNone/>
-              <a:defRPr sz="3200" b="1" i="0" u="none" strike="noStrike" cap="none">
-                <a:solidFill>
-                  <a:schemeClr val="lt1"/>
-                </a:solidFill>
-                <a:latin typeface="Lexend Deca"/>
-                <a:ea typeface="Lexend Deca"/>
-                <a:cs typeface="Lexend Deca"/>
-                <a:sym typeface="Lexend Deca"/>
-              </a:defRPr>
-            </a:lvl4pPr>
-            <a:lvl5pPr marR="0" lvl="4" algn="l" rtl="0">
-              <a:lnSpc>
-                <a:spcPct val="100000"/>
-              </a:lnSpc>
-              <a:spcBef>
-                <a:spcPts val="0"/>
-              </a:spcBef>
-              <a:spcAft>
-                <a:spcPts val="0"/>
-              </a:spcAft>
-              <a:buClr>
-                <a:schemeClr val="lt1"/>
-              </a:buClr>
-              <a:buSzPts val="3200"/>
-              <a:buFont typeface="Lexend Deca"/>
-              <a:buNone/>
-              <a:defRPr sz="3200" b="1" i="0" u="none" strike="noStrike" cap="none">
-                <a:solidFill>
-                  <a:schemeClr val="lt1"/>
-                </a:solidFill>
-                <a:latin typeface="Lexend Deca"/>
-                <a:ea typeface="Lexend Deca"/>
-                <a:cs typeface="Lexend Deca"/>
-                <a:sym typeface="Lexend Deca"/>
-              </a:defRPr>
-            </a:lvl5pPr>
-            <a:lvl6pPr marR="0" lvl="5" algn="l" rtl="0">
-              <a:lnSpc>
-                <a:spcPct val="100000"/>
-              </a:lnSpc>
-              <a:spcBef>
-                <a:spcPts val="0"/>
-              </a:spcBef>
-              <a:spcAft>
-                <a:spcPts val="0"/>
-              </a:spcAft>
-              <a:buClr>
-                <a:schemeClr val="lt1"/>
-              </a:buClr>
-              <a:buSzPts val="3200"/>
-              <a:buFont typeface="Lexend Deca"/>
-              <a:buNone/>
-              <a:defRPr sz="3200" b="1" i="0" u="none" strike="noStrike" cap="none">
-                <a:solidFill>
-                  <a:schemeClr val="lt1"/>
-                </a:solidFill>
-                <a:latin typeface="Lexend Deca"/>
-                <a:ea typeface="Lexend Deca"/>
-                <a:cs typeface="Lexend Deca"/>
-                <a:sym typeface="Lexend Deca"/>
-              </a:defRPr>
-            </a:lvl6pPr>
-            <a:lvl7pPr marR="0" lvl="6" algn="l" rtl="0">
-              <a:lnSpc>
-                <a:spcPct val="100000"/>
-              </a:lnSpc>
-              <a:spcBef>
-                <a:spcPts val="0"/>
-              </a:spcBef>
-              <a:spcAft>
-                <a:spcPts val="0"/>
-              </a:spcAft>
-              <a:buClr>
-                <a:schemeClr val="lt1"/>
-              </a:buClr>
-              <a:buSzPts val="3200"/>
-              <a:buFont typeface="Lexend Deca"/>
-              <a:buNone/>
-              <a:defRPr sz="3200" b="1" i="0" u="none" strike="noStrike" cap="none">
-                <a:solidFill>
-                  <a:schemeClr val="lt1"/>
-                </a:solidFill>
-                <a:latin typeface="Lexend Deca"/>
-                <a:ea typeface="Lexend Deca"/>
-                <a:cs typeface="Lexend Deca"/>
-                <a:sym typeface="Lexend Deca"/>
-              </a:defRPr>
-            </a:lvl7pPr>
-            <a:lvl8pPr marR="0" lvl="7" algn="l" rtl="0">
-              <a:lnSpc>
-                <a:spcPct val="100000"/>
-              </a:lnSpc>
-              <a:spcBef>
-                <a:spcPts val="0"/>
-              </a:spcBef>
-              <a:spcAft>
-                <a:spcPts val="0"/>
-              </a:spcAft>
-              <a:buClr>
-                <a:schemeClr val="lt1"/>
-              </a:buClr>
-              <a:buSzPts val="3200"/>
-              <a:buFont typeface="Lexend Deca"/>
-              <a:buNone/>
-              <a:defRPr sz="3200" b="1" i="0" u="none" strike="noStrike" cap="none">
-                <a:solidFill>
-                  <a:schemeClr val="lt1"/>
-                </a:solidFill>
-                <a:latin typeface="Lexend Deca"/>
-                <a:ea typeface="Lexend Deca"/>
-                <a:cs typeface="Lexend Deca"/>
-                <a:sym typeface="Lexend Deca"/>
-              </a:defRPr>
-            </a:lvl8pPr>
-            <a:lvl9pPr marR="0" lvl="8" algn="l" rtl="0">
-              <a:lnSpc>
-                <a:spcPct val="100000"/>
-              </a:lnSpc>
-              <a:spcBef>
-                <a:spcPts val="0"/>
-              </a:spcBef>
-              <a:spcAft>
-                <a:spcPts val="0"/>
-              </a:spcAft>
-              <a:buClr>
-                <a:schemeClr val="lt1"/>
-              </a:buClr>
-              <a:buSzPts val="3200"/>
-              <a:buFont typeface="Lexend Deca"/>
-              <a:buNone/>
-              <a:defRPr sz="3200" b="1" i="0" u="none" strike="noStrike" cap="none">
-                <a:solidFill>
-                  <a:schemeClr val="lt1"/>
-                </a:solidFill>
-                <a:latin typeface="Lexend Deca"/>
-                <a:ea typeface="Lexend Deca"/>
-                <a:cs typeface="Lexend Deca"/>
-                <a:sym typeface="Lexend Deca"/>
-              </a:defRPr>
-            </a:lvl9pPr>
-          </a:lstStyle>
-          <a:p>
-            <a:r>
-              <a:rPr lang="pt-BR" sz="7200" dirty="0"/>
-              <a:t>Obrigado!</a:t>
-            </a:r>
-          </a:p>
-        </p:txBody>
-      </p:sp>
-      <p:pic>
-        <p:nvPicPr>
-          <p:cNvPr id="4" name="Google Shape;353;p35">
-            <a:extLst>
-              <a:ext uri="{FF2B5EF4-FFF2-40B4-BE49-F238E27FC236}">
-                <a16:creationId xmlns:a16="http://schemas.microsoft.com/office/drawing/2014/main" id="{5DBE6CFC-9043-47A8-8086-A55C4345AFAB}"/>
-              </a:ext>
-            </a:extLst>
-          </p:cNvPr>
-          <p:cNvPicPr preferRelativeResize="0"/>
+          <p:cNvPicPr>
+            <a:picLocks noChangeAspect="1"/>
+          </p:cNvPicPr>
           <p:nvPr/>
         </p:nvPicPr>
         <p:blipFill>
-          <a:blip r:embed="rId3">
-            <a:alphaModFix/>
-          </a:blip>
+          <a:blip r:embed="rId3"/>
           <a:stretch>
             <a:fillRect/>
           </a:stretch>
         </p:blipFill>
         <p:spPr>
           <a:xfrm>
-            <a:off x="4720031" y="2492182"/>
-            <a:ext cx="3171324" cy="1889775"/>
+            <a:off x="1676400" y="366712"/>
+            <a:ext cx="5791200" cy="4410075"/>
           </a:xfrm>
           <a:prstGeom prst="rect">
             <a:avLst/>
           </a:prstGeom>
-          <a:noFill/>
           <a:ln>
-            <a:noFill/>
-          </a:ln>
-        </p:spPr>
-      </p:pic>
-      <p:pic>
-        <p:nvPicPr>
-          <p:cNvPr id="5" name="Google Shape;354;p35">
-            <a:extLst>
-              <a:ext uri="{FF2B5EF4-FFF2-40B4-BE49-F238E27FC236}">
-                <a16:creationId xmlns:a16="http://schemas.microsoft.com/office/drawing/2014/main" id="{C4682F3D-5CF0-489B-A038-DED1B58E5209}"/>
-              </a:ext>
-            </a:extLst>
-          </p:cNvPr>
-          <p:cNvPicPr preferRelativeResize="0"/>
-          <p:nvPr/>
-        </p:nvPicPr>
-        <p:blipFill>
-          <a:blip r:embed="rId4">
-            <a:alphaModFix/>
-          </a:blip>
-          <a:stretch>
-            <a:fillRect/>
-          </a:stretch>
-        </p:blipFill>
-        <p:spPr>
-          <a:xfrm>
-            <a:off x="6031343" y="1839368"/>
-            <a:ext cx="548700" cy="1597701"/>
-          </a:xfrm>
-          <a:prstGeom prst="rect">
-            <a:avLst/>
-          </a:prstGeom>
-          <a:noFill/>
-          <a:ln>
-            <a:noFill/>
-          </a:ln>
-        </p:spPr>
-      </p:pic>
-      <p:pic>
-        <p:nvPicPr>
-          <p:cNvPr id="6" name="Google Shape;355;p35">
-            <a:extLst>
-              <a:ext uri="{FF2B5EF4-FFF2-40B4-BE49-F238E27FC236}">
-                <a16:creationId xmlns:a16="http://schemas.microsoft.com/office/drawing/2014/main" id="{44E91541-1F7D-46BE-B23A-37F65318D814}"/>
-              </a:ext>
-            </a:extLst>
-          </p:cNvPr>
-          <p:cNvPicPr preferRelativeResize="0"/>
-          <p:nvPr/>
-        </p:nvPicPr>
-        <p:blipFill>
-          <a:blip r:embed="rId5">
-            <a:alphaModFix/>
-          </a:blip>
-          <a:stretch>
-            <a:fillRect/>
-          </a:stretch>
-        </p:blipFill>
-        <p:spPr>
-          <a:xfrm>
-            <a:off x="5940193" y="531904"/>
-            <a:ext cx="1279700" cy="1498275"/>
-          </a:xfrm>
-          <a:prstGeom prst="rect">
-            <a:avLst/>
-          </a:prstGeom>
-          <a:noFill/>
-          <a:ln>
-            <a:noFill/>
+            <a:solidFill>
+              <a:schemeClr val="accent1"/>
+            </a:solidFill>
           </a:ln>
         </p:spPr>
       </p:pic>
     </p:spTree>
     <p:extLst>
       <p:ext uri="{BB962C8B-B14F-4D97-AF65-F5344CB8AC3E}">
-        <p14:creationId xmlns:p14="http://schemas.microsoft.com/office/powerpoint/2010/main" val="1462738241"/>
+        <p14:creationId xmlns:p14="http://schemas.microsoft.com/office/powerpoint/2010/main" val="3225276291"/>
       </p:ext>
     </p:extLst>
   </p:cSld>
@@ -5391,7 +5143,7 @@
 </p:sld>
 </file>
 
-<file path=ppt/slides/slide2.xml><?xml version="1.0" encoding="utf-8"?>
+<file path=ppt/slides/slide16.xml><?xml version="1.0" encoding="utf-8"?>
 <p:sld xmlns:a="http://schemas.openxmlformats.org/drawingml/2006/main" xmlns:r="http://schemas.openxmlformats.org/officeDocument/2006/relationships" xmlns:p="http://schemas.openxmlformats.org/presentationml/2006/main">
   <p:cSld>
     <p:bg>
@@ -5462,43 +5214,670 @@
             </a:pPr>
             <a:fld id="{00000000-1234-1234-1234-123412341234}" type="slidenum">
               <a:rPr lang="en"/>
-              <a:t>2</a:t>
+              <a:t>16</a:t>
             </a:fld>
             <a:endParaRPr/>
           </a:p>
         </p:txBody>
       </p:sp>
-      <p:pic>
-        <p:nvPicPr>
-          <p:cNvPr id="6" name="Imagem 5">
+      <p:sp>
+        <p:nvSpPr>
+          <p:cNvPr id="3" name="Google Shape;351;p35">
             <a:extLst>
               <a:ext uri="{FF2B5EF4-FFF2-40B4-BE49-F238E27FC236}">
-                <a16:creationId xmlns:a16="http://schemas.microsoft.com/office/drawing/2014/main" id="{0D175A27-A7C6-45C9-8D73-FAFD7DDC7752}"/>
+                <a16:creationId xmlns:a16="http://schemas.microsoft.com/office/drawing/2014/main" id="{C19F1A5B-E76B-4D48-8C38-0FFCC022BA28}"/>
               </a:ext>
             </a:extLst>
           </p:cNvPr>
-          <p:cNvPicPr>
-            <a:picLocks noChangeAspect="1"/>
-          </p:cNvPicPr>
+          <p:cNvSpPr txBox="1">
+            <a:spLocks/>
+          </p:cNvSpPr>
+          <p:nvPr/>
+        </p:nvSpPr>
+        <p:spPr>
+          <a:xfrm>
+            <a:off x="302557" y="2302165"/>
+            <a:ext cx="4641574" cy="928500"/>
+          </a:xfrm>
+          <a:prstGeom prst="rect">
+            <a:avLst/>
+          </a:prstGeom>
+          <a:noFill/>
+          <a:ln>
+            <a:noFill/>
+          </a:ln>
+        </p:spPr>
+        <p:txBody>
+          <a:bodyPr spcFirstLastPara="1" wrap="square" lIns="0" tIns="0" rIns="0" bIns="0" anchor="b" anchorCtr="0">
+            <a:noAutofit/>
+          </a:bodyPr>
+          <a:lstStyle>
+            <a:defPPr marR="0" lvl="0" algn="l" rtl="0">
+              <a:lnSpc>
+                <a:spcPct val="100000"/>
+              </a:lnSpc>
+              <a:spcBef>
+                <a:spcPts val="0"/>
+              </a:spcBef>
+              <a:spcAft>
+                <a:spcPts val="0"/>
+              </a:spcAft>
+            </a:defPPr>
+            <a:lvl1pPr marR="0" lvl="0" algn="l" rtl="0">
+              <a:lnSpc>
+                <a:spcPct val="100000"/>
+              </a:lnSpc>
+              <a:spcBef>
+                <a:spcPts val="0"/>
+              </a:spcBef>
+              <a:spcAft>
+                <a:spcPts val="0"/>
+              </a:spcAft>
+              <a:buClr>
+                <a:schemeClr val="lt1"/>
+              </a:buClr>
+              <a:buSzPts val="3200"/>
+              <a:buFont typeface="Lexend Deca"/>
+              <a:buNone/>
+              <a:defRPr sz="3200" b="1" i="0" u="none" strike="noStrike" cap="none">
+                <a:solidFill>
+                  <a:schemeClr val="lt1"/>
+                </a:solidFill>
+                <a:latin typeface="Lexend Deca"/>
+                <a:ea typeface="Lexend Deca"/>
+                <a:cs typeface="Lexend Deca"/>
+                <a:sym typeface="Lexend Deca"/>
+              </a:defRPr>
+            </a:lvl1pPr>
+            <a:lvl2pPr marR="0" lvl="1" algn="l" rtl="0">
+              <a:lnSpc>
+                <a:spcPct val="100000"/>
+              </a:lnSpc>
+              <a:spcBef>
+                <a:spcPts val="0"/>
+              </a:spcBef>
+              <a:spcAft>
+                <a:spcPts val="0"/>
+              </a:spcAft>
+              <a:buClr>
+                <a:schemeClr val="lt1"/>
+              </a:buClr>
+              <a:buSzPts val="3200"/>
+              <a:buFont typeface="Lexend Deca"/>
+              <a:buNone/>
+              <a:defRPr sz="3200" b="1" i="0" u="none" strike="noStrike" cap="none">
+                <a:solidFill>
+                  <a:schemeClr val="lt1"/>
+                </a:solidFill>
+                <a:latin typeface="Lexend Deca"/>
+                <a:ea typeface="Lexend Deca"/>
+                <a:cs typeface="Lexend Deca"/>
+                <a:sym typeface="Lexend Deca"/>
+              </a:defRPr>
+            </a:lvl2pPr>
+            <a:lvl3pPr marR="0" lvl="2" algn="l" rtl="0">
+              <a:lnSpc>
+                <a:spcPct val="100000"/>
+              </a:lnSpc>
+              <a:spcBef>
+                <a:spcPts val="0"/>
+              </a:spcBef>
+              <a:spcAft>
+                <a:spcPts val="0"/>
+              </a:spcAft>
+              <a:buClr>
+                <a:schemeClr val="lt1"/>
+              </a:buClr>
+              <a:buSzPts val="3200"/>
+              <a:buFont typeface="Lexend Deca"/>
+              <a:buNone/>
+              <a:defRPr sz="3200" b="1" i="0" u="none" strike="noStrike" cap="none">
+                <a:solidFill>
+                  <a:schemeClr val="lt1"/>
+                </a:solidFill>
+                <a:latin typeface="Lexend Deca"/>
+                <a:ea typeface="Lexend Deca"/>
+                <a:cs typeface="Lexend Deca"/>
+                <a:sym typeface="Lexend Deca"/>
+              </a:defRPr>
+            </a:lvl3pPr>
+            <a:lvl4pPr marR="0" lvl="3" algn="l" rtl="0">
+              <a:lnSpc>
+                <a:spcPct val="100000"/>
+              </a:lnSpc>
+              <a:spcBef>
+                <a:spcPts val="0"/>
+              </a:spcBef>
+              <a:spcAft>
+                <a:spcPts val="0"/>
+              </a:spcAft>
+              <a:buClr>
+                <a:schemeClr val="lt1"/>
+              </a:buClr>
+              <a:buSzPts val="3200"/>
+              <a:buFont typeface="Lexend Deca"/>
+              <a:buNone/>
+              <a:defRPr sz="3200" b="1" i="0" u="none" strike="noStrike" cap="none">
+                <a:solidFill>
+                  <a:schemeClr val="lt1"/>
+                </a:solidFill>
+                <a:latin typeface="Lexend Deca"/>
+                <a:ea typeface="Lexend Deca"/>
+                <a:cs typeface="Lexend Deca"/>
+                <a:sym typeface="Lexend Deca"/>
+              </a:defRPr>
+            </a:lvl4pPr>
+            <a:lvl5pPr marR="0" lvl="4" algn="l" rtl="0">
+              <a:lnSpc>
+                <a:spcPct val="100000"/>
+              </a:lnSpc>
+              <a:spcBef>
+                <a:spcPts val="0"/>
+              </a:spcBef>
+              <a:spcAft>
+                <a:spcPts val="0"/>
+              </a:spcAft>
+              <a:buClr>
+                <a:schemeClr val="lt1"/>
+              </a:buClr>
+              <a:buSzPts val="3200"/>
+              <a:buFont typeface="Lexend Deca"/>
+              <a:buNone/>
+              <a:defRPr sz="3200" b="1" i="0" u="none" strike="noStrike" cap="none">
+                <a:solidFill>
+                  <a:schemeClr val="lt1"/>
+                </a:solidFill>
+                <a:latin typeface="Lexend Deca"/>
+                <a:ea typeface="Lexend Deca"/>
+                <a:cs typeface="Lexend Deca"/>
+                <a:sym typeface="Lexend Deca"/>
+              </a:defRPr>
+            </a:lvl5pPr>
+            <a:lvl6pPr marR="0" lvl="5" algn="l" rtl="0">
+              <a:lnSpc>
+                <a:spcPct val="100000"/>
+              </a:lnSpc>
+              <a:spcBef>
+                <a:spcPts val="0"/>
+              </a:spcBef>
+              <a:spcAft>
+                <a:spcPts val="0"/>
+              </a:spcAft>
+              <a:buClr>
+                <a:schemeClr val="lt1"/>
+              </a:buClr>
+              <a:buSzPts val="3200"/>
+              <a:buFont typeface="Lexend Deca"/>
+              <a:buNone/>
+              <a:defRPr sz="3200" b="1" i="0" u="none" strike="noStrike" cap="none">
+                <a:solidFill>
+                  <a:schemeClr val="lt1"/>
+                </a:solidFill>
+                <a:latin typeface="Lexend Deca"/>
+                <a:ea typeface="Lexend Deca"/>
+                <a:cs typeface="Lexend Deca"/>
+                <a:sym typeface="Lexend Deca"/>
+              </a:defRPr>
+            </a:lvl6pPr>
+            <a:lvl7pPr marR="0" lvl="6" algn="l" rtl="0">
+              <a:lnSpc>
+                <a:spcPct val="100000"/>
+              </a:lnSpc>
+              <a:spcBef>
+                <a:spcPts val="0"/>
+              </a:spcBef>
+              <a:spcAft>
+                <a:spcPts val="0"/>
+              </a:spcAft>
+              <a:buClr>
+                <a:schemeClr val="lt1"/>
+              </a:buClr>
+              <a:buSzPts val="3200"/>
+              <a:buFont typeface="Lexend Deca"/>
+              <a:buNone/>
+              <a:defRPr sz="3200" b="1" i="0" u="none" strike="noStrike" cap="none">
+                <a:solidFill>
+                  <a:schemeClr val="lt1"/>
+                </a:solidFill>
+                <a:latin typeface="Lexend Deca"/>
+                <a:ea typeface="Lexend Deca"/>
+                <a:cs typeface="Lexend Deca"/>
+                <a:sym typeface="Lexend Deca"/>
+              </a:defRPr>
+            </a:lvl7pPr>
+            <a:lvl8pPr marR="0" lvl="7" algn="l" rtl="0">
+              <a:lnSpc>
+                <a:spcPct val="100000"/>
+              </a:lnSpc>
+              <a:spcBef>
+                <a:spcPts val="0"/>
+              </a:spcBef>
+              <a:spcAft>
+                <a:spcPts val="0"/>
+              </a:spcAft>
+              <a:buClr>
+                <a:schemeClr val="lt1"/>
+              </a:buClr>
+              <a:buSzPts val="3200"/>
+              <a:buFont typeface="Lexend Deca"/>
+              <a:buNone/>
+              <a:defRPr sz="3200" b="1" i="0" u="none" strike="noStrike" cap="none">
+                <a:solidFill>
+                  <a:schemeClr val="lt1"/>
+                </a:solidFill>
+                <a:latin typeface="Lexend Deca"/>
+                <a:ea typeface="Lexend Deca"/>
+                <a:cs typeface="Lexend Deca"/>
+                <a:sym typeface="Lexend Deca"/>
+              </a:defRPr>
+            </a:lvl8pPr>
+            <a:lvl9pPr marR="0" lvl="8" algn="l" rtl="0">
+              <a:lnSpc>
+                <a:spcPct val="100000"/>
+              </a:lnSpc>
+              <a:spcBef>
+                <a:spcPts val="0"/>
+              </a:spcBef>
+              <a:spcAft>
+                <a:spcPts val="0"/>
+              </a:spcAft>
+              <a:buClr>
+                <a:schemeClr val="lt1"/>
+              </a:buClr>
+              <a:buSzPts val="3200"/>
+              <a:buFont typeface="Lexend Deca"/>
+              <a:buNone/>
+              <a:defRPr sz="3200" b="1" i="0" u="none" strike="noStrike" cap="none">
+                <a:solidFill>
+                  <a:schemeClr val="lt1"/>
+                </a:solidFill>
+                <a:latin typeface="Lexend Deca"/>
+                <a:ea typeface="Lexend Deca"/>
+                <a:cs typeface="Lexend Deca"/>
+                <a:sym typeface="Lexend Deca"/>
+              </a:defRPr>
+            </a:lvl9pPr>
+          </a:lstStyle>
+          <a:p>
+            <a:r>
+              <a:rPr lang="pt-BR" sz="7200" dirty="0"/>
+              <a:t>Obrigado!</a:t>
+            </a:r>
+          </a:p>
+        </p:txBody>
+      </p:sp>
+      <p:pic>
+        <p:nvPicPr>
+          <p:cNvPr id="4" name="Google Shape;353;p35">
+            <a:extLst>
+              <a:ext uri="{FF2B5EF4-FFF2-40B4-BE49-F238E27FC236}">
+                <a16:creationId xmlns:a16="http://schemas.microsoft.com/office/drawing/2014/main" id="{5DBE6CFC-9043-47A8-8086-A55C4345AFAB}"/>
+              </a:ext>
+            </a:extLst>
+          </p:cNvPr>
+          <p:cNvPicPr preferRelativeResize="0"/>
           <p:nvPr/>
         </p:nvPicPr>
         <p:blipFill>
-          <a:blip r:embed="rId3"/>
+          <a:blip r:embed="rId3">
+            <a:alphaModFix/>
+          </a:blip>
           <a:stretch>
             <a:fillRect/>
           </a:stretch>
         </p:blipFill>
         <p:spPr>
           <a:xfrm>
-            <a:off x="0" y="218810"/>
-            <a:ext cx="9144000" cy="4705880"/>
+            <a:off x="4720031" y="2492182"/>
+            <a:ext cx="3171324" cy="1889775"/>
           </a:xfrm>
           <a:prstGeom prst="rect">
             <a:avLst/>
           </a:prstGeom>
+          <a:noFill/>
+          <a:ln>
+            <a:noFill/>
+          </a:ln>
+        </p:spPr>
+      </p:pic>
+      <p:pic>
+        <p:nvPicPr>
+          <p:cNvPr id="5" name="Google Shape;354;p35">
+            <a:extLst>
+              <a:ext uri="{FF2B5EF4-FFF2-40B4-BE49-F238E27FC236}">
+                <a16:creationId xmlns:a16="http://schemas.microsoft.com/office/drawing/2014/main" id="{C4682F3D-5CF0-489B-A038-DED1B58E5209}"/>
+              </a:ext>
+            </a:extLst>
+          </p:cNvPr>
+          <p:cNvPicPr preferRelativeResize="0"/>
+          <p:nvPr/>
+        </p:nvPicPr>
+        <p:blipFill>
+          <a:blip r:embed="rId4">
+            <a:alphaModFix/>
+          </a:blip>
+          <a:stretch>
+            <a:fillRect/>
+          </a:stretch>
+        </p:blipFill>
+        <p:spPr>
+          <a:xfrm>
+            <a:off x="6031343" y="1839368"/>
+            <a:ext cx="548700" cy="1597701"/>
+          </a:xfrm>
+          <a:prstGeom prst="rect">
+            <a:avLst/>
+          </a:prstGeom>
+          <a:noFill/>
+          <a:ln>
+            <a:noFill/>
+          </a:ln>
+        </p:spPr>
+      </p:pic>
+      <p:pic>
+        <p:nvPicPr>
+          <p:cNvPr id="6" name="Google Shape;355;p35">
+            <a:extLst>
+              <a:ext uri="{FF2B5EF4-FFF2-40B4-BE49-F238E27FC236}">
+                <a16:creationId xmlns:a16="http://schemas.microsoft.com/office/drawing/2014/main" id="{44E91541-1F7D-46BE-B23A-37F65318D814}"/>
+              </a:ext>
+            </a:extLst>
+          </p:cNvPr>
+          <p:cNvPicPr preferRelativeResize="0"/>
+          <p:nvPr/>
+        </p:nvPicPr>
+        <p:blipFill>
+          <a:blip r:embed="rId5">
+            <a:alphaModFix/>
+          </a:blip>
+          <a:stretch>
+            <a:fillRect/>
+          </a:stretch>
+        </p:blipFill>
+        <p:spPr>
+          <a:xfrm>
+            <a:off x="5940193" y="531904"/>
+            <a:ext cx="1279700" cy="1498275"/>
+          </a:xfrm>
+          <a:prstGeom prst="rect">
+            <a:avLst/>
+          </a:prstGeom>
+          <a:noFill/>
+          <a:ln>
+            <a:noFill/>
+          </a:ln>
         </p:spPr>
       </p:pic>
     </p:spTree>
+    <p:extLst>
+      <p:ext uri="{BB962C8B-B14F-4D97-AF65-F5344CB8AC3E}">
+        <p14:creationId xmlns:p14="http://schemas.microsoft.com/office/powerpoint/2010/main" val="1462738241"/>
+      </p:ext>
+    </p:extLst>
+  </p:cSld>
+  <p:clrMapOvr>
+    <a:masterClrMapping/>
+  </p:clrMapOvr>
+</p:sld>
+</file>
+
+<file path=ppt/slides/slide2.xml><?xml version="1.0" encoding="utf-8"?>
+<p:sld xmlns:a="http://schemas.openxmlformats.org/drawingml/2006/main" xmlns:r="http://schemas.openxmlformats.org/officeDocument/2006/relationships" xmlns:p="http://schemas.openxmlformats.org/presentationml/2006/main">
+  <p:cSld>
+    <p:bg>
+      <p:bgPr>
+        <a:gradFill>
+          <a:gsLst>
+            <a:gs pos="40000">
+              <a:schemeClr val="tx2">
+                <a:lumMod val="10000"/>
+              </a:schemeClr>
+            </a:gs>
+            <a:gs pos="100000">
+              <a:schemeClr val="tx2">
+                <a:lumMod val="10000"/>
+              </a:schemeClr>
+            </a:gs>
+          </a:gsLst>
+          <a:lin ang="8100019" scaled="0"/>
+        </a:gradFill>
+        <a:effectLst/>
+      </p:bgPr>
+    </p:bg>
+    <p:spTree>
+      <p:nvGrpSpPr>
+        <p:cNvPr id="1" name="Shape 59"/>
+        <p:cNvGrpSpPr/>
+        <p:nvPr/>
+      </p:nvGrpSpPr>
+      <p:grpSpPr>
+        <a:xfrm>
+          <a:off x="0" y="0"/>
+          <a:ext cx="0" cy="0"/>
+          <a:chOff x="0" y="0"/>
+          <a:chExt cx="0" cy="0"/>
+        </a:xfrm>
+      </p:grpSpPr>
+      <p:pic>
+        <p:nvPicPr>
+          <p:cNvPr id="61" name="Google Shape;61;p13"/>
+          <p:cNvPicPr preferRelativeResize="0"/>
+          <p:nvPr/>
+        </p:nvPicPr>
+        <p:blipFill>
+          <a:blip r:embed="rId3">
+            <a:alphaModFix/>
+            <a:duotone>
+              <a:prstClr val="black"/>
+              <a:schemeClr val="tx2">
+                <a:tint val="45000"/>
+                <a:satMod val="400000"/>
+              </a:schemeClr>
+            </a:duotone>
+          </a:blip>
+          <a:stretch>
+            <a:fillRect/>
+          </a:stretch>
+        </p:blipFill>
+        <p:spPr>
+          <a:xfrm>
+            <a:off x="5894475" y="1050906"/>
+            <a:ext cx="1782850" cy="2031750"/>
+          </a:xfrm>
+          <a:prstGeom prst="rect">
+            <a:avLst/>
+          </a:prstGeom>
+          <a:noFill/>
+          <a:ln>
+            <a:noFill/>
+          </a:ln>
+        </p:spPr>
+      </p:pic>
+      <p:pic>
+        <p:nvPicPr>
+          <p:cNvPr id="62" name="Google Shape;62;p13"/>
+          <p:cNvPicPr preferRelativeResize="0"/>
+          <p:nvPr/>
+        </p:nvPicPr>
+        <p:blipFill>
+          <a:blip r:embed="rId4">
+            <a:alphaModFix/>
+          </a:blip>
+          <a:stretch>
+            <a:fillRect/>
+          </a:stretch>
+        </p:blipFill>
+        <p:spPr>
+          <a:xfrm>
+            <a:off x="5320814" y="378324"/>
+            <a:ext cx="662500" cy="726550"/>
+          </a:xfrm>
+          <a:prstGeom prst="rect">
+            <a:avLst/>
+          </a:prstGeom>
+          <a:noFill/>
+          <a:ln>
+            <a:noFill/>
+          </a:ln>
+        </p:spPr>
+      </p:pic>
+      <p:pic>
+        <p:nvPicPr>
+          <p:cNvPr id="63" name="Google Shape;63;p13"/>
+          <p:cNvPicPr preferRelativeResize="0"/>
+          <p:nvPr/>
+        </p:nvPicPr>
+        <p:blipFill>
+          <a:blip r:embed="rId5">
+            <a:alphaModFix/>
+          </a:blip>
+          <a:stretch>
+            <a:fillRect/>
+          </a:stretch>
+        </p:blipFill>
+        <p:spPr>
+          <a:xfrm>
+            <a:off x="7593770" y="884611"/>
+            <a:ext cx="482075" cy="525200"/>
+          </a:xfrm>
+          <a:prstGeom prst="rect">
+            <a:avLst/>
+          </a:prstGeom>
+          <a:noFill/>
+          <a:ln>
+            <a:noFill/>
+          </a:ln>
+        </p:spPr>
+      </p:pic>
+      <p:pic>
+        <p:nvPicPr>
+          <p:cNvPr id="64" name="Google Shape;64;p13"/>
+          <p:cNvPicPr preferRelativeResize="0"/>
+          <p:nvPr/>
+        </p:nvPicPr>
+        <p:blipFill>
+          <a:blip r:embed="rId6">
+            <a:alphaModFix/>
+          </a:blip>
+          <a:stretch>
+            <a:fillRect/>
+          </a:stretch>
+        </p:blipFill>
+        <p:spPr>
+          <a:xfrm>
+            <a:off x="5621692" y="4034576"/>
+            <a:ext cx="586165" cy="686300"/>
+          </a:xfrm>
+          <a:prstGeom prst="rect">
+            <a:avLst/>
+          </a:prstGeom>
+          <a:noFill/>
+          <a:ln>
+            <a:noFill/>
+          </a:ln>
+        </p:spPr>
+      </p:pic>
+      <p:pic>
+        <p:nvPicPr>
+          <p:cNvPr id="65" name="Google Shape;65;p13"/>
+          <p:cNvPicPr preferRelativeResize="0"/>
+          <p:nvPr/>
+        </p:nvPicPr>
+        <p:blipFill>
+          <a:blip r:embed="rId7">
+            <a:alphaModFix/>
+          </a:blip>
+          <a:stretch>
+            <a:fillRect/>
+          </a:stretch>
+        </p:blipFill>
+        <p:spPr>
+          <a:xfrm>
+            <a:off x="8404399" y="3624439"/>
+            <a:ext cx="321850" cy="448425"/>
+          </a:xfrm>
+          <a:prstGeom prst="rect">
+            <a:avLst/>
+          </a:prstGeom>
+          <a:noFill/>
+          <a:ln>
+            <a:noFill/>
+          </a:ln>
+        </p:spPr>
+      </p:pic>
+      <p:pic>
+        <p:nvPicPr>
+          <p:cNvPr id="66" name="Google Shape;66;p13"/>
+          <p:cNvPicPr preferRelativeResize="0"/>
+          <p:nvPr/>
+        </p:nvPicPr>
+        <p:blipFill>
+          <a:blip r:embed="rId7">
+            <a:alphaModFix/>
+          </a:blip>
+          <a:stretch>
+            <a:fillRect/>
+          </a:stretch>
+        </p:blipFill>
+        <p:spPr>
+          <a:xfrm>
+            <a:off x="8664593" y="3757882"/>
+            <a:ext cx="321850" cy="448425"/>
+          </a:xfrm>
+          <a:prstGeom prst="rect">
+            <a:avLst/>
+          </a:prstGeom>
+          <a:noFill/>
+          <a:ln>
+            <a:noFill/>
+          </a:ln>
+        </p:spPr>
+      </p:pic>
+      <p:sp>
+        <p:nvSpPr>
+          <p:cNvPr id="2" name="CaixaDeTexto 1">
+            <a:extLst>
+              <a:ext uri="{FF2B5EF4-FFF2-40B4-BE49-F238E27FC236}">
+                <a16:creationId xmlns:a16="http://schemas.microsoft.com/office/drawing/2014/main" id="{AB0B5424-F0BD-48F4-98A5-7B85404B35EF}"/>
+              </a:ext>
+            </a:extLst>
+          </p:cNvPr>
+          <p:cNvSpPr txBox="1"/>
+          <p:nvPr/>
+        </p:nvSpPr>
+        <p:spPr>
+          <a:xfrm>
+            <a:off x="1074649" y="2063918"/>
+            <a:ext cx="3627783" cy="1015663"/>
+          </a:xfrm>
+          <a:prstGeom prst="rect">
+            <a:avLst/>
+          </a:prstGeom>
+          <a:noFill/>
+        </p:spPr>
+        <p:txBody>
+          <a:bodyPr wrap="square" rtlCol="0">
+            <a:spAutoFit/>
+          </a:bodyPr>
+          <a:lstStyle/>
+          <a:p>
+            <a:r>
+              <a:rPr lang="pt-BR" sz="6000" dirty="0">
+                <a:solidFill>
+                  <a:schemeClr val="bg1"/>
+                </a:solidFill>
+              </a:rPr>
+              <a:t>Problema</a:t>
+            </a:r>
+          </a:p>
+        </p:txBody>
+      </p:sp>
+    </p:spTree>
+    <p:extLst>
+      <p:ext uri="{BB962C8B-B14F-4D97-AF65-F5344CB8AC3E}">
+        <p14:creationId xmlns:p14="http://schemas.microsoft.com/office/powerpoint/2010/main" val="1654480855"/>
+      </p:ext>
+    </p:extLst>
   </p:cSld>
   <p:clrMapOvr>
     <a:masterClrMapping/>
@@ -5585,10 +5964,10 @@
       </p:sp>
       <p:pic>
         <p:nvPicPr>
-          <p:cNvPr id="2" name="Imagem 1">
+          <p:cNvPr id="6" name="Imagem 5">
             <a:extLst>
               <a:ext uri="{FF2B5EF4-FFF2-40B4-BE49-F238E27FC236}">
-                <a16:creationId xmlns:a16="http://schemas.microsoft.com/office/drawing/2014/main" id="{44BE5CA2-6F38-4361-A554-2E6DD06CE84B}"/>
+                <a16:creationId xmlns:a16="http://schemas.microsoft.com/office/drawing/2014/main" id="{0D175A27-A7C6-45C9-8D73-FAFD7DDC7752}"/>
               </a:ext>
             </a:extLst>
           </p:cNvPr>
@@ -5605,8 +5984,8 @@
         </p:blipFill>
         <p:spPr>
           <a:xfrm>
-            <a:off x="0" y="238892"/>
-            <a:ext cx="9144000" cy="4665716"/>
+            <a:off x="0" y="218810"/>
+            <a:ext cx="9144000" cy="4705880"/>
           </a:xfrm>
           <a:prstGeom prst="rect">
             <a:avLst/>
@@ -5614,11 +5993,6 @@
         </p:spPr>
       </p:pic>
     </p:spTree>
-    <p:extLst>
-      <p:ext uri="{BB962C8B-B14F-4D97-AF65-F5344CB8AC3E}">
-        <p14:creationId xmlns:p14="http://schemas.microsoft.com/office/powerpoint/2010/main" val="2357724118"/>
-      </p:ext>
-    </p:extLst>
   </p:cSld>
   <p:clrMapOvr>
     <a:masterClrMapping/>
@@ -5705,10 +6079,10 @@
       </p:sp>
       <p:pic>
         <p:nvPicPr>
-          <p:cNvPr id="6" name="Imagem 5">
+          <p:cNvPr id="2" name="Imagem 1">
             <a:extLst>
               <a:ext uri="{FF2B5EF4-FFF2-40B4-BE49-F238E27FC236}">
-                <a16:creationId xmlns:a16="http://schemas.microsoft.com/office/drawing/2014/main" id="{D22EC299-6FC2-4DE9-9FF5-065943A9A439}"/>
+                <a16:creationId xmlns:a16="http://schemas.microsoft.com/office/drawing/2014/main" id="{44BE5CA2-6F38-4361-A554-2E6DD06CE84B}"/>
               </a:ext>
             </a:extLst>
           </p:cNvPr>
@@ -5725,8 +6099,8 @@
         </p:blipFill>
         <p:spPr>
           <a:xfrm>
-            <a:off x="385178" y="80615"/>
-            <a:ext cx="8373644" cy="4982270"/>
+            <a:off x="0" y="238892"/>
+            <a:ext cx="9144000" cy="4665716"/>
           </a:xfrm>
           <a:prstGeom prst="rect">
             <a:avLst/>
@@ -5736,7 +6110,7 @@
     </p:spTree>
     <p:extLst>
       <p:ext uri="{BB962C8B-B14F-4D97-AF65-F5344CB8AC3E}">
-        <p14:creationId xmlns:p14="http://schemas.microsoft.com/office/powerpoint/2010/main" val="96689404"/>
+        <p14:creationId xmlns:p14="http://schemas.microsoft.com/office/powerpoint/2010/main" val="2357724118"/>
       </p:ext>
     </p:extLst>
   </p:cSld>
@@ -5825,10 +6199,10 @@
       </p:sp>
       <p:pic>
         <p:nvPicPr>
-          <p:cNvPr id="2" name="Imagem 1">
+          <p:cNvPr id="6" name="Imagem 5">
             <a:extLst>
               <a:ext uri="{FF2B5EF4-FFF2-40B4-BE49-F238E27FC236}">
-                <a16:creationId xmlns:a16="http://schemas.microsoft.com/office/drawing/2014/main" id="{D9638127-FFDA-49CF-BEF6-E1C9CF95047F}"/>
+                <a16:creationId xmlns:a16="http://schemas.microsoft.com/office/drawing/2014/main" id="{D22EC299-6FC2-4DE9-9FF5-065943A9A439}"/>
               </a:ext>
             </a:extLst>
           </p:cNvPr>
@@ -5845,8 +6219,8 @@
         </p:blipFill>
         <p:spPr>
           <a:xfrm>
-            <a:off x="294678" y="156825"/>
-            <a:ext cx="8554644" cy="4829849"/>
+            <a:off x="385178" y="80615"/>
+            <a:ext cx="8373644" cy="4982270"/>
           </a:xfrm>
           <a:prstGeom prst="rect">
             <a:avLst/>
@@ -5856,7 +6230,7 @@
     </p:spTree>
     <p:extLst>
       <p:ext uri="{BB962C8B-B14F-4D97-AF65-F5344CB8AC3E}">
-        <p14:creationId xmlns:p14="http://schemas.microsoft.com/office/powerpoint/2010/main" val="3810810247"/>
+        <p14:creationId xmlns:p14="http://schemas.microsoft.com/office/powerpoint/2010/main" val="96689404"/>
       </p:ext>
     </p:extLst>
   </p:cSld>
@@ -5945,10 +6319,10 @@
       </p:sp>
       <p:pic>
         <p:nvPicPr>
-          <p:cNvPr id="3" name="Imagem 2">
+          <p:cNvPr id="2" name="Imagem 1">
             <a:extLst>
               <a:ext uri="{FF2B5EF4-FFF2-40B4-BE49-F238E27FC236}">
-                <a16:creationId xmlns:a16="http://schemas.microsoft.com/office/drawing/2014/main" id="{330D0001-A130-4DA6-85F3-BF67B34AF8D7}"/>
+                <a16:creationId xmlns:a16="http://schemas.microsoft.com/office/drawing/2014/main" id="{D9638127-FFDA-49CF-BEF6-E1C9CF95047F}"/>
               </a:ext>
             </a:extLst>
           </p:cNvPr>
@@ -5965,8 +6339,8 @@
         </p:blipFill>
         <p:spPr>
           <a:xfrm>
-            <a:off x="289915" y="152062"/>
-            <a:ext cx="8564170" cy="4839375"/>
+            <a:off x="294678" y="156825"/>
+            <a:ext cx="8554644" cy="4829849"/>
           </a:xfrm>
           <a:prstGeom prst="rect">
             <a:avLst/>
@@ -5976,7 +6350,7 @@
     </p:spTree>
     <p:extLst>
       <p:ext uri="{BB962C8B-B14F-4D97-AF65-F5344CB8AC3E}">
-        <p14:creationId xmlns:p14="http://schemas.microsoft.com/office/powerpoint/2010/main" val="1084302113"/>
+        <p14:creationId xmlns:p14="http://schemas.microsoft.com/office/powerpoint/2010/main" val="3810810247"/>
       </p:ext>
     </p:extLst>
   </p:cSld>
@@ -6065,10 +6439,10 @@
       </p:sp>
       <p:pic>
         <p:nvPicPr>
-          <p:cNvPr id="5" name="Imagem 4">
+          <p:cNvPr id="3" name="Imagem 2">
             <a:extLst>
               <a:ext uri="{FF2B5EF4-FFF2-40B4-BE49-F238E27FC236}">
-                <a16:creationId xmlns:a16="http://schemas.microsoft.com/office/drawing/2014/main" id="{FBF11497-C173-429F-AB78-59B9932EB955}"/>
+                <a16:creationId xmlns:a16="http://schemas.microsoft.com/office/drawing/2014/main" id="{330D0001-A130-4DA6-85F3-BF67B34AF8D7}"/>
               </a:ext>
             </a:extLst>
           </p:cNvPr>
@@ -6085,8 +6459,8 @@
         </p:blipFill>
         <p:spPr>
           <a:xfrm>
-            <a:off x="0" y="145791"/>
-            <a:ext cx="9144000" cy="4851918"/>
+            <a:off x="289915" y="152062"/>
+            <a:ext cx="8564170" cy="4839375"/>
           </a:xfrm>
           <a:prstGeom prst="rect">
             <a:avLst/>
@@ -6096,7 +6470,7 @@
     </p:spTree>
     <p:extLst>
       <p:ext uri="{BB962C8B-B14F-4D97-AF65-F5344CB8AC3E}">
-        <p14:creationId xmlns:p14="http://schemas.microsoft.com/office/powerpoint/2010/main" val="217065727"/>
+        <p14:creationId xmlns:p14="http://schemas.microsoft.com/office/powerpoint/2010/main" val="1084302113"/>
       </p:ext>
     </p:extLst>
   </p:cSld>
@@ -6185,10 +6559,10 @@
       </p:sp>
       <p:pic>
         <p:nvPicPr>
-          <p:cNvPr id="3" name="Imagem 2">
+          <p:cNvPr id="5" name="Imagem 4">
             <a:extLst>
               <a:ext uri="{FF2B5EF4-FFF2-40B4-BE49-F238E27FC236}">
-                <a16:creationId xmlns:a16="http://schemas.microsoft.com/office/drawing/2014/main" id="{24A64C77-88C4-41FA-A886-6A397E9CCD7D}"/>
+                <a16:creationId xmlns:a16="http://schemas.microsoft.com/office/drawing/2014/main" id="{FBF11497-C173-429F-AB78-59B9932EB955}"/>
               </a:ext>
             </a:extLst>
           </p:cNvPr>
@@ -6205,8 +6579,8 @@
         </p:blipFill>
         <p:spPr>
           <a:xfrm>
-            <a:off x="118441" y="56799"/>
-            <a:ext cx="8907118" cy="5029902"/>
+            <a:off x="0" y="145791"/>
+            <a:ext cx="9144000" cy="4851918"/>
           </a:xfrm>
           <a:prstGeom prst="rect">
             <a:avLst/>
@@ -6216,7 +6590,7 @@
     </p:spTree>
     <p:extLst>
       <p:ext uri="{BB962C8B-B14F-4D97-AF65-F5344CB8AC3E}">
-        <p14:creationId xmlns:p14="http://schemas.microsoft.com/office/powerpoint/2010/main" val="552731476"/>
+        <p14:creationId xmlns:p14="http://schemas.microsoft.com/office/powerpoint/2010/main" val="217065727"/>
       </p:ext>
     </p:extLst>
   </p:cSld>
@@ -6308,7 +6682,7 @@
           <p:cNvPr id="3" name="Imagem 2">
             <a:extLst>
               <a:ext uri="{FF2B5EF4-FFF2-40B4-BE49-F238E27FC236}">
-                <a16:creationId xmlns:a16="http://schemas.microsoft.com/office/drawing/2014/main" id="{60861F3B-CB6E-416C-9CF9-FCAEC9B2ED8A}"/>
+                <a16:creationId xmlns:a16="http://schemas.microsoft.com/office/drawing/2014/main" id="{24A64C77-88C4-41FA-A886-6A397E9CCD7D}"/>
               </a:ext>
             </a:extLst>
           </p:cNvPr>
@@ -6325,8 +6699,8 @@
         </p:blipFill>
         <p:spPr>
           <a:xfrm>
-            <a:off x="114716" y="61562"/>
-            <a:ext cx="8887027" cy="5020376"/>
+            <a:off x="118441" y="56799"/>
+            <a:ext cx="8907118" cy="5029902"/>
           </a:xfrm>
           <a:prstGeom prst="rect">
             <a:avLst/>
@@ -6336,7 +6710,7 @@
     </p:spTree>
     <p:extLst>
       <p:ext uri="{BB962C8B-B14F-4D97-AF65-F5344CB8AC3E}">
-        <p14:creationId xmlns:p14="http://schemas.microsoft.com/office/powerpoint/2010/main" val="3832193093"/>
+        <p14:creationId xmlns:p14="http://schemas.microsoft.com/office/powerpoint/2010/main" val="552731476"/>
       </p:ext>
     </p:extLst>
   </p:cSld>
